--- a/USE.pptx
+++ b/USE.pptx
@@ -104,6 +104,11 @@
       </a:defRPr>
     </a:lvl9pPr>
   </p:defaultTextStyle>
+  <p:extLst>
+    <p:ext uri="{EFAFB233-063F-42B5-8137-9DF3F51BA10A}">
+      <p15:sldGuideLst xmlns:p15="http://schemas.microsoft.com/office/powerpoint/2012/main"/>
+    </p:ext>
+  </p:extLst>
 </p:presentation>
 </file>
 
@@ -3026,7 +3031,7 @@
         <p:spPr>
           <a:xfrm>
             <a:off x="1538440" y="1199775"/>
-            <a:ext cx="11776622" cy="1200329"/>
+            <a:ext cx="4310795" cy="1200329"/>
           </a:xfrm>
           <a:prstGeom prst="rect">
             <a:avLst/>
@@ -3054,8 +3059,39 @@
                   </a:schemeClr>
                 </a:solidFill>
               </a:rPr>
-              <a:t>This is the extremely long key!</a:t>
-            </a:r>
+              <a:t>This is </a:t>
+            </a:r>
+            <a:r>
+              <a:rPr lang="en-US" sz="7200" b="1" dirty="0" smtClean="0">
+                <a:ln w="22225">
+                  <a:solidFill>
+                    <a:schemeClr val="accent2"/>
+                  </a:solidFill>
+                  <a:prstDash val="solid"/>
+                </a:ln>
+                <a:solidFill>
+                  <a:schemeClr val="accent2">
+                    <a:lumMod val="40000"/>
+                    <a:lumOff val="60000"/>
+                  </a:schemeClr>
+                </a:solidFill>
+              </a:rPr>
+              <a:t>a ….</a:t>
+            </a:r>
+            <a:endParaRPr lang="en-US" sz="7200" b="1" dirty="0">
+              <a:ln w="22225">
+                <a:solidFill>
+                  <a:schemeClr val="accent2"/>
+                </a:solidFill>
+                <a:prstDash val="solid"/>
+              </a:ln>
+              <a:solidFill>
+                <a:schemeClr val="accent2">
+                  <a:lumMod val="40000"/>
+                  <a:lumOff val="60000"/>
+                </a:schemeClr>
+              </a:solidFill>
+            </a:endParaRPr>
           </a:p>
         </p:txBody>
       </p:sp>
@@ -3945,6 +3981,116 @@
                     <a:lumMod val="50000"/>
                   </a:schemeClr>
                 </a:innerShdw>
+              </a:effectLst>
+            </a:endParaRPr>
+          </a:p>
+        </p:txBody>
+      </p:sp>
+      <p:sp>
+        <p:nvSpPr>
+          <p:cNvPr id="16" name="Right Arrow 15"/>
+          <p:cNvSpPr/>
+          <p:nvPr/>
+        </p:nvSpPr>
+        <p:spPr>
+          <a:xfrm>
+            <a:off x="6083713" y="1199775"/>
+            <a:ext cx="5029492" cy="1390075"/>
+          </a:xfrm>
+          <a:prstGeom prst="rightArrow">
+            <a:avLst>
+              <a:gd name="adj1" fmla="val 40569"/>
+              <a:gd name="adj2" fmla="val 63472"/>
+            </a:avLst>
+          </a:prstGeom>
+        </p:spPr>
+        <p:style>
+          <a:lnRef idx="2">
+            <a:schemeClr val="accent1">
+              <a:shade val="50000"/>
+            </a:schemeClr>
+          </a:lnRef>
+          <a:fillRef idx="1">
+            <a:schemeClr val="accent1"/>
+          </a:fillRef>
+          <a:effectRef idx="0">
+            <a:schemeClr val="accent1"/>
+          </a:effectRef>
+          <a:fontRef idx="minor">
+            <a:schemeClr val="lt1"/>
+          </a:fontRef>
+        </p:style>
+        <p:txBody>
+          <a:bodyPr rtlCol="0" anchor="ctr"/>
+          <a:lstStyle/>
+          <a:p>
+            <a:pPr algn="ctr"/>
+            <a:endParaRPr lang="en-US"/>
+          </a:p>
+        </p:txBody>
+      </p:sp>
+      <p:sp>
+        <p:nvSpPr>
+          <p:cNvPr id="2" name="Rectangle 1"/>
+          <p:cNvSpPr/>
+          <p:nvPr/>
+        </p:nvSpPr>
+        <p:spPr>
+          <a:xfrm>
+            <a:off x="11347683" y="1209406"/>
+            <a:ext cx="3526158" cy="1323439"/>
+          </a:xfrm>
+          <a:prstGeom prst="rect">
+            <a:avLst/>
+          </a:prstGeom>
+          <a:noFill/>
+        </p:spPr>
+        <p:txBody>
+          <a:bodyPr wrap="none" lIns="91440" tIns="45720" rIns="91440" bIns="45720">
+            <a:spAutoFit/>
+          </a:bodyPr>
+          <a:lstStyle/>
+          <a:p>
+            <a:pPr algn="ctr"/>
+            <a:r>
+              <a:rPr lang="en-US" sz="8000" b="1" cap="none" spc="0" dirty="0" smtClean="0">
+                <a:ln w="9525">
+                  <a:solidFill>
+                    <a:schemeClr val="bg1"/>
+                  </a:solidFill>
+                  <a:prstDash val="solid"/>
+                </a:ln>
+                <a:solidFill>
+                  <a:schemeClr val="accent5"/>
+                </a:solidFill>
+                <a:effectLst>
+                  <a:outerShdw blurRad="12700" dist="38100" dir="2700000" algn="tl" rotWithShape="0">
+                    <a:schemeClr val="accent5">
+                      <a:lumMod val="60000"/>
+                      <a:lumOff val="40000"/>
+                    </a:schemeClr>
+                  </a:outerShdw>
+                </a:effectLst>
+              </a:rPr>
+              <a:t>The Key</a:t>
+            </a:r>
+            <a:endParaRPr lang="en-US" sz="8000" b="1" cap="none" spc="0" dirty="0">
+              <a:ln w="9525">
+                <a:solidFill>
+                  <a:schemeClr val="bg1"/>
+                </a:solidFill>
+                <a:prstDash val="solid"/>
+              </a:ln>
+              <a:solidFill>
+                <a:schemeClr val="accent5"/>
+              </a:solidFill>
+              <a:effectLst>
+                <a:outerShdw blurRad="12700" dist="38100" dir="2700000" algn="tl" rotWithShape="0">
+                  <a:schemeClr val="accent5">
+                    <a:lumMod val="60000"/>
+                    <a:lumOff val="40000"/>
+                  </a:schemeClr>
+                </a:outerShdw>
               </a:effectLst>
             </a:endParaRPr>
           </a:p>
